--- a/Most popular Data Science tools.pptx
+++ b/Most popular Data Science tools.pptx
@@ -351,7 +351,7 @@
           <a:p>
             <a:fld id="{00674016-2455-4F0A-BC6D-9D145BFFE078}" type="datetimeFigureOut">
               <a:rPr lang="en-US" smtClean="0"/>
-              <a:t>2/1/2023</a:t>
+              <a:t>2/2/2023</a:t>
             </a:fld>
             <a:endParaRPr lang="en-US" dirty="0"/>
           </a:p>
@@ -684,7 +684,7 @@
           <a:p>
             <a:fld id="{00674016-2455-4F0A-BC6D-9D145BFFE078}" type="datetimeFigureOut">
               <a:rPr lang="en-US" smtClean="0"/>
-              <a:t>2/1/2023</a:t>
+              <a:t>2/2/2023</a:t>
             </a:fld>
             <a:endParaRPr lang="en-US" dirty="0"/>
           </a:p>
@@ -962,7 +962,7 @@
           <a:p>
             <a:fld id="{00674016-2455-4F0A-BC6D-9D145BFFE078}" type="datetimeFigureOut">
               <a:rPr lang="en-US" smtClean="0"/>
-              <a:t>2/1/2023</a:t>
+              <a:t>2/2/2023</a:t>
             </a:fld>
             <a:endParaRPr lang="en-US" dirty="0"/>
           </a:p>
@@ -1530,7 +1530,7 @@
           <a:p>
             <a:fld id="{00674016-2455-4F0A-BC6D-9D145BFFE078}" type="datetimeFigureOut">
               <a:rPr lang="en-US" smtClean="0"/>
-              <a:t>2/1/2023</a:t>
+              <a:t>2/2/2023</a:t>
             </a:fld>
             <a:endParaRPr lang="en-US" dirty="0"/>
           </a:p>
@@ -1808,7 +1808,7 @@
           <a:p>
             <a:fld id="{00674016-2455-4F0A-BC6D-9D145BFFE078}" type="datetimeFigureOut">
               <a:rPr lang="en-US" smtClean="0"/>
-              <a:t>2/1/2023</a:t>
+              <a:t>2/2/2023</a:t>
             </a:fld>
             <a:endParaRPr lang="en-US" dirty="0"/>
           </a:p>
@@ -2370,7 +2370,7 @@
           <a:p>
             <a:fld id="{00674016-2455-4F0A-BC6D-9D145BFFE078}" type="datetimeFigureOut">
               <a:rPr lang="en-US" smtClean="0"/>
-              <a:t>2/1/2023</a:t>
+              <a:t>2/2/2023</a:t>
             </a:fld>
             <a:endParaRPr lang="en-US" dirty="0"/>
           </a:p>
@@ -2697,7 +2697,7 @@
           <a:p>
             <a:fld id="{00674016-2455-4F0A-BC6D-9D145BFFE078}" type="datetimeFigureOut">
               <a:rPr lang="en-US" smtClean="0"/>
-              <a:t>2/1/2023</a:t>
+              <a:t>2/2/2023</a:t>
             </a:fld>
             <a:endParaRPr lang="en-US" dirty="0"/>
           </a:p>
@@ -2874,7 +2874,7 @@
           <a:p>
             <a:fld id="{00674016-2455-4F0A-BC6D-9D145BFFE078}" type="datetimeFigureOut">
               <a:rPr lang="en-US" smtClean="0"/>
-              <a:t>2/1/2023</a:t>
+              <a:t>2/2/2023</a:t>
             </a:fld>
             <a:endParaRPr lang="en-US" dirty="0"/>
           </a:p>
@@ -3112,7 +3112,7 @@
           <a:p>
             <a:fld id="{00674016-2455-4F0A-BC6D-9D145BFFE078}" type="datetimeFigureOut">
               <a:rPr lang="en-US" smtClean="0"/>
-              <a:t>2/1/2023</a:t>
+              <a:t>2/2/2023</a:t>
             </a:fld>
             <a:endParaRPr lang="en-US" dirty="0"/>
           </a:p>
@@ -3312,7 +3312,7 @@
           <a:p>
             <a:fld id="{00674016-2455-4F0A-BC6D-9D145BFFE078}" type="datetimeFigureOut">
               <a:rPr lang="en-US" smtClean="0"/>
-              <a:t>2/1/2023</a:t>
+              <a:t>2/2/2023</a:t>
             </a:fld>
             <a:endParaRPr lang="en-US" dirty="0"/>
           </a:p>
@@ -3588,7 +3588,7 @@
           <a:p>
             <a:fld id="{00674016-2455-4F0A-BC6D-9D145BFFE078}" type="datetimeFigureOut">
               <a:rPr lang="en-US" smtClean="0"/>
-              <a:t>2/1/2023</a:t>
+              <a:t>2/2/2023</a:t>
             </a:fld>
             <a:endParaRPr lang="en-US" dirty="0"/>
           </a:p>
@@ -3854,7 +3854,7 @@
           <a:p>
             <a:fld id="{00674016-2455-4F0A-BC6D-9D145BFFE078}" type="datetimeFigureOut">
               <a:rPr lang="en-US" smtClean="0"/>
-              <a:t>2/1/2023</a:t>
+              <a:t>2/2/2023</a:t>
             </a:fld>
             <a:endParaRPr lang="en-US" dirty="0"/>
           </a:p>
@@ -4228,7 +4228,7 @@
           <a:p>
             <a:fld id="{00674016-2455-4F0A-BC6D-9D145BFFE078}" type="datetimeFigureOut">
               <a:rPr lang="en-US" smtClean="0"/>
-              <a:t>2/1/2023</a:t>
+              <a:t>2/2/2023</a:t>
             </a:fld>
             <a:endParaRPr lang="en-US" dirty="0"/>
           </a:p>
@@ -4376,7 +4376,7 @@
           <a:p>
             <a:fld id="{00674016-2455-4F0A-BC6D-9D145BFFE078}" type="datetimeFigureOut">
               <a:rPr lang="en-US" smtClean="0"/>
-              <a:t>2/1/2023</a:t>
+              <a:t>2/2/2023</a:t>
             </a:fld>
             <a:endParaRPr lang="en-US" dirty="0"/>
           </a:p>
@@ -4501,7 +4501,7 @@
           <a:p>
             <a:fld id="{00674016-2455-4F0A-BC6D-9D145BFFE078}" type="datetimeFigureOut">
               <a:rPr lang="en-US" smtClean="0"/>
-              <a:t>2/1/2023</a:t>
+              <a:t>2/2/2023</a:t>
             </a:fld>
             <a:endParaRPr lang="en-US" dirty="0"/>
           </a:p>
@@ -4786,7 +4786,7 @@
           <a:p>
             <a:fld id="{00674016-2455-4F0A-BC6D-9D145BFFE078}" type="datetimeFigureOut">
               <a:rPr lang="en-US" smtClean="0"/>
-              <a:t>2/1/2023</a:t>
+              <a:t>2/2/2023</a:t>
             </a:fld>
             <a:endParaRPr lang="en-US" dirty="0"/>
           </a:p>
@@ -5109,7 +5109,7 @@
           <a:p>
             <a:fld id="{00674016-2455-4F0A-BC6D-9D145BFFE078}" type="datetimeFigureOut">
               <a:rPr lang="en-US" smtClean="0"/>
-              <a:t>2/1/2023</a:t>
+              <a:t>2/2/2023</a:t>
             </a:fld>
             <a:endParaRPr lang="en-US" dirty="0"/>
           </a:p>
@@ -5323,7 +5323,7 @@
           <a:p>
             <a:fld id="{00674016-2455-4F0A-BC6D-9D145BFFE078}" type="datetimeFigureOut">
               <a:rPr lang="en-US" smtClean="0"/>
-              <a:t>2/1/2023</a:t>
+              <a:t>2/2/2023</a:t>
             </a:fld>
             <a:endParaRPr lang="en-US" dirty="0"/>
           </a:p>
@@ -5987,7 +5987,15 @@
           <a:p>
             <a:r>
               <a:rPr lang="en-US" dirty="0"/>
-              <a:t>This is a very scalable, serverless data warehouse tool created for productive data analysis. It uses Google’s infrastructure-based processing power to run super-fast SQL queries against append-only tables.</a:t>
+              <a:t>Google </a:t>
+            </a:r>
+            <a:r>
+              <a:rPr lang="en-US" dirty="0" err="1"/>
+              <a:t>BigQuery</a:t>
+            </a:r>
+            <a:r>
+              <a:rPr lang="en-US" dirty="0"/>
+              <a:t> is a scalable, serverless data warehouse tool created for productive data analysis. It uses Google's infrastructure-based processing power to execute super-fast SQL queries against append-only tables.</a:t>
             </a:r>
           </a:p>
           <a:p>
@@ -6125,8 +6133,12 @@
           <a:lstStyle/>
           <a:p>
             <a:r>
+              <a:rPr lang="en-US" dirty="0" err="1"/>
+              <a:t>MatLab</a:t>
+            </a:r>
+            <a:r>
               <a:rPr lang="en-US" dirty="0"/>
-              <a:t>MATLAB is a high-level language coupled with an interactive environment for numerical computation, programming, and visualization. MATLAB is a powerful tool, a language used in technical computing, and ideal for graphics, math, and programming.</a:t>
+              <a:t> is an interactive environment for numerical computation, programming and visualization. It is used in engineering calculations and is ideal for graphing, mathematics and programming.</a:t>
             </a:r>
           </a:p>
           <a:p>
@@ -6435,7 +6447,7 @@
         <p:spPr>
           <a:xfrm>
             <a:off x="1333850" y="2449586"/>
-            <a:ext cx="8758106" cy="2585323"/>
+            <a:ext cx="8758106" cy="2031325"/>
           </a:xfrm>
           <a:prstGeom prst="rect">
             <a:avLst/>
@@ -6450,7 +6462,7 @@
           <a:p>
             <a:r>
               <a:rPr lang="en-US" dirty="0"/>
-              <a:t>Also called “Spark,” this is an all-powerful analytics engine and has the distinction of being the most used data science tool. It is known for offering lightning-fast cluster computing. Spark accesses varied data sources such as Cassandra, HDFS, HBase, and S3. It can also easily handle large datasets.</a:t>
+              <a:t>Apache Spark is an analytics engine and offers lightning-fast cluster computing. You can use it with Cassandra, HDFS, HBase and S3.</a:t>
             </a:r>
           </a:p>
           <a:p>
@@ -6574,7 +6586,7 @@
         <p:spPr>
           <a:xfrm>
             <a:off x="1333850" y="1937857"/>
-            <a:ext cx="8758106" cy="3693319"/>
+            <a:ext cx="8758106" cy="2862322"/>
           </a:xfrm>
           <a:prstGeom prst="rect">
             <a:avLst/>
@@ -6589,7 +6601,7 @@
           <a:p>
             <a:r>
               <a:rPr lang="en-US" dirty="0"/>
-              <a:t>This data science tool is designed especially for statistical operations. It is a closed-source proprietary software tool that specializes in handling and analyzing massive amounts of data for large organizations. It’s well-supported by its company and very reliable. Still, it’s a case of getting what you pay for because SAS is expensive and best suited for large companies and organizations.</a:t>
+              <a:t>SAS was designed for statistical operations. However, SAS is expensive and best suited for large companies and organizations.</a:t>
             </a:r>
           </a:p>
           <a:p>
@@ -6713,7 +6725,7 @@
         <p:spPr>
           <a:xfrm>
             <a:off x="1333850" y="2265028"/>
-            <a:ext cx="8758106" cy="2862322"/>
+            <a:ext cx="8758106" cy="2585323"/>
           </a:xfrm>
           <a:prstGeom prst="rect">
             <a:avLst/>
@@ -6727,8 +6739,12 @@
           <a:lstStyle/>
           <a:p>
             <a:r>
+              <a:rPr lang="en-US" dirty="0" err="1"/>
+              <a:t>BigML</a:t>
+            </a:r>
+            <a:r>
               <a:rPr lang="en-US" dirty="0"/>
-              <a:t>This tool is another top-rated data science resource that provides users with a fully interactable, cloud-based GUI environment, ideal for processing ML algorithms. You can create a free or premium account depending on your needs, and the web interface is easy to use.</a:t>
+              <a:t> provides users with a fully interactable, cloud-based GUI environment, ideal for processing ML algorithms. It's easy to use and you can create a free or premium account, depending on what you need.</a:t>
             </a:r>
           </a:p>
           <a:p>
@@ -6867,7 +6883,7 @@
           <a:p>
             <a:r>
               <a:rPr lang="en-US" dirty="0"/>
-              <a:t>D3.js is an open-source JavaScript library that lets you make interactive visualizations on your web browser. It emphasizes web standards to take full advantage of all the features of modern browsers, without being bogged down with a proprietary framework.</a:t>
+              <a:t>D3.js is an open-source JavaScript library that lets you make interactive visualizations on your web browser. It emphasizes web standards to take full advantage of all the capabilities of modern browsers without being stuck with a framework.</a:t>
             </a:r>
           </a:p>
           <a:p>
@@ -7006,7 +7022,7 @@
           <a:p>
             <a:r>
               <a:rPr lang="en-US" dirty="0"/>
-              <a:t>This tool is described as an advanced platform for automated machine learning. Data scientists, executives, IT professionals, and software engineers use it to help them build better quality predictive models and do it faster.</a:t>
+              <a:t>Data Robot is a platform for automated machine learning. Data scientists, executives, IT professionals and software engineers use it to build better-quality predictive models and speeds up the process.</a:t>
             </a:r>
           </a:p>
           <a:p>
@@ -7130,7 +7146,7 @@
         <p:spPr>
           <a:xfrm>
             <a:off x="1333850" y="2449586"/>
-            <a:ext cx="9202722" cy="2308324"/>
+            <a:ext cx="9202722" cy="2031325"/>
           </a:xfrm>
           <a:prstGeom prst="rect">
             <a:avLst/>
@@ -7145,7 +7161,7 @@
           <a:p>
             <a:r>
               <a:rPr lang="en-US" dirty="0"/>
-              <a:t>Yes, even this ubiquitous old database workhorse gets some attention here, too! Originally developed by Microsoft for spreadsheet calculations, it has gained widespread use as a tool for data processing, visualization, and sophisticated calculations.</a:t>
+              <a:t>Originally created for spreadsheet calculations, Excel is now widely used for data processing, visualization and advanced calculations.</a:t>
             </a:r>
           </a:p>
           <a:p>
@@ -7283,8 +7299,20 @@
           <a:lstStyle/>
           <a:p>
             <a:r>
+              <a:rPr lang="en-US" dirty="0" err="1"/>
+              <a:t>ForecastThis</a:t>
+            </a:r>
+            <a:r>
               <a:rPr lang="en-US" dirty="0"/>
-              <a:t>If you’re a data scientist who wants automated predictive model selection, then this is the tool for you! ForecastThis helps investment managers, data scientists, and quantitative analysts to use their in-house data to optimize their complex future objectives and create robust forecasts.</a:t>
+              <a:t> is for automating predictive model selection. </a:t>
+            </a:r>
+            <a:r>
+              <a:rPr lang="en-US" dirty="0" err="1"/>
+              <a:t>ForecastThis</a:t>
+            </a:r>
+            <a:r>
+              <a:rPr lang="en-US" dirty="0"/>
+              <a:t> helps investment managers, data scientists and quantitative analysts use their own data to optimize their complex future targeting.</a:t>
             </a:r>
           </a:p>
           <a:p>
